--- a/IntersectionObserver.pptx
+++ b/IntersectionObserver.pptx
@@ -318,7 +318,7 @@
             <a:fld id="{48A87A34-81AB-432B-8DAE-1953F412C126}" type="datetimeFigureOut">
               <a:rPr lang="en-US" smtClean="0"/>
               <a:pPr/>
-              <a:t>9/22/2021</a:t>
+              <a:t>9/23/2021</a:t>
             </a:fld>
             <a:endParaRPr lang="en-US" dirty="0"/>
           </a:p>
@@ -528,7 +528,7 @@
           <a:p>
             <a:fld id="{48A87A34-81AB-432B-8DAE-1953F412C126}" type="datetimeFigureOut">
               <a:rPr lang="en-US" smtClean="0"/>
-              <a:t>9/22/2021</a:t>
+              <a:t>9/23/2021</a:t>
             </a:fld>
             <a:endParaRPr lang="en-US" dirty="0"/>
           </a:p>
@@ -708,7 +708,7 @@
           <a:p>
             <a:fld id="{48A87A34-81AB-432B-8DAE-1953F412C126}" type="datetimeFigureOut">
               <a:rPr lang="en-US" smtClean="0"/>
-              <a:t>9/22/2021</a:t>
+              <a:t>9/23/2021</a:t>
             </a:fld>
             <a:endParaRPr lang="en-US" dirty="0"/>
           </a:p>
@@ -878,7 +878,7 @@
           <a:p>
             <a:fld id="{48A87A34-81AB-432B-8DAE-1953F412C126}" type="datetimeFigureOut">
               <a:rPr lang="en-US" smtClean="0"/>
-              <a:t>9/22/2021</a:t>
+              <a:t>9/23/2021</a:t>
             </a:fld>
             <a:endParaRPr lang="en-US" dirty="0"/>
           </a:p>
@@ -1132,7 +1132,7 @@
           <a:p>
             <a:fld id="{48A87A34-81AB-432B-8DAE-1953F412C126}" type="datetimeFigureOut">
               <a:rPr lang="en-US" smtClean="0"/>
-              <a:t>9/22/2021</a:t>
+              <a:t>9/23/2021</a:t>
             </a:fld>
             <a:endParaRPr lang="en-US" dirty="0"/>
           </a:p>
@@ -1458,7 +1458,7 @@
           <a:p>
             <a:fld id="{48A87A34-81AB-432B-8DAE-1953F412C126}" type="datetimeFigureOut">
               <a:rPr lang="en-US" smtClean="0"/>
-              <a:t>9/22/2021</a:t>
+              <a:t>9/23/2021</a:t>
             </a:fld>
             <a:endParaRPr lang="en-US" dirty="0"/>
           </a:p>
@@ -1910,7 +1910,7 @@
             <a:fld id="{48A87A34-81AB-432B-8DAE-1953F412C126}" type="datetimeFigureOut">
               <a:rPr lang="en-US" smtClean="0"/>
               <a:pPr/>
-              <a:t>9/22/2021</a:t>
+              <a:t>9/23/2021</a:t>
             </a:fld>
             <a:endParaRPr lang="en-US" dirty="0"/>
           </a:p>
@@ -2029,7 +2029,7 @@
           <a:p>
             <a:fld id="{48A87A34-81AB-432B-8DAE-1953F412C126}" type="datetimeFigureOut">
               <a:rPr lang="en-US" smtClean="0"/>
-              <a:t>9/22/2021</a:t>
+              <a:t>9/23/2021</a:t>
             </a:fld>
             <a:endParaRPr lang="en-US" dirty="0"/>
           </a:p>
@@ -2124,7 +2124,7 @@
           <a:p>
             <a:fld id="{48A87A34-81AB-432B-8DAE-1953F412C126}" type="datetimeFigureOut">
               <a:rPr lang="en-US" smtClean="0"/>
-              <a:t>9/22/2021</a:t>
+              <a:t>9/23/2021</a:t>
             </a:fld>
             <a:endParaRPr lang="en-US" dirty="0"/>
           </a:p>
@@ -2411,7 +2411,7 @@
           <a:p>
             <a:fld id="{48A87A34-81AB-432B-8DAE-1953F412C126}" type="datetimeFigureOut">
               <a:rPr lang="en-US" smtClean="0"/>
-              <a:t>9/22/2021</a:t>
+              <a:t>9/23/2021</a:t>
             </a:fld>
             <a:endParaRPr lang="en-US" dirty="0"/>
           </a:p>
@@ -2729,7 +2729,7 @@
           <a:p>
             <a:fld id="{48A87A34-81AB-432B-8DAE-1953F412C126}" type="datetimeFigureOut">
               <a:rPr lang="en-US" smtClean="0"/>
-              <a:t>9/22/2021</a:t>
+              <a:t>9/23/2021</a:t>
             </a:fld>
             <a:endParaRPr lang="en-US" dirty="0"/>
           </a:p>
@@ -2982,7 +2982,7 @@
             <a:fld id="{48A87A34-81AB-432B-8DAE-1953F412C126}" type="datetimeFigureOut">
               <a:rPr lang="en-US" smtClean="0"/>
               <a:pPr/>
-              <a:t>9/22/2021</a:t>
+              <a:t>9/23/2021</a:t>
             </a:fld>
             <a:endParaRPr lang="en-US" dirty="0"/>
           </a:p>
@@ -3854,7 +3854,7 @@
           <a:p>
             <a:r>
               <a:rPr lang="en-US" altLang="zh-CN" dirty="0"/>
-              <a:t>Option</a:t>
+              <a:t>option</a:t>
             </a:r>
             <a:r>
               <a:rPr lang="zh-CN" altLang="en-US" dirty="0"/>
@@ -4087,7 +4087,7 @@
           <a:p>
             <a:r>
               <a:rPr lang="en-US" altLang="zh-CN" dirty="0"/>
-              <a:t>Option</a:t>
+              <a:t>option</a:t>
             </a:r>
             <a:r>
               <a:rPr lang="zh-CN" altLang="en-US" dirty="0"/>
@@ -4255,7 +4255,7 @@
           <a:p>
             <a:r>
               <a:rPr lang="en-US" altLang="zh-CN" dirty="0"/>
-              <a:t>Option</a:t>
+              <a:t>option</a:t>
             </a:r>
             <a:r>
               <a:rPr lang="zh-CN" altLang="en-US" dirty="0"/>
@@ -4437,126 +4437,6 @@
           </a:prstGeom>
         </p:spPr>
       </p:pic>
-      <p:sp>
-        <p:nvSpPr>
-          <p:cNvPr id="4" name="Rectangle 1">
-            <a:extLst>
-              <a:ext uri="{FF2B5EF4-FFF2-40B4-BE49-F238E27FC236}">
-                <a16:creationId xmlns:a16="http://schemas.microsoft.com/office/drawing/2014/main" id="{5A92B4C9-387E-4D5C-A152-D4BD05AA42CB}"/>
-              </a:ext>
-            </a:extLst>
-          </p:cNvPr>
-          <p:cNvSpPr>
-            <a:spLocks noChangeArrowheads="1"/>
-          </p:cNvSpPr>
-          <p:nvPr/>
-        </p:nvSpPr>
-        <p:spPr bwMode="auto">
-          <a:xfrm>
-            <a:off x="0" y="0"/>
-            <a:ext cx="12192000" cy="0"/>
-          </a:xfrm>
-          <a:prstGeom prst="rect">
-            <a:avLst/>
-          </a:prstGeom>
-          <a:noFill/>
-          <a:ln>
-            <a:noFill/>
-          </a:ln>
-          <a:effectLst/>
-          <a:extLst>
-            <a:ext uri="{909E8E84-426E-40DD-AFC4-6F175D3DCCD1}">
-              <a14:hiddenFill xmlns:a14="http://schemas.microsoft.com/office/drawing/2010/main">
-                <a:solidFill>
-                  <a:schemeClr val="accent1"/>
-                </a:solidFill>
-              </a14:hiddenFill>
-            </a:ext>
-            <a:ext uri="{91240B29-F687-4F45-9708-019B960494DF}">
-              <a14:hiddenLine xmlns:a14="http://schemas.microsoft.com/office/drawing/2010/main" w="9525">
-                <a:solidFill>
-                  <a:schemeClr val="tx1"/>
-                </a:solidFill>
-                <a:miter lim="800000"/>
-                <a:headEnd/>
-                <a:tailEnd/>
-              </a14:hiddenLine>
-            </a:ext>
-            <a:ext uri="{AF507438-7753-43E0-B8FC-AC1667EBCBE1}">
-              <a14:hiddenEffects xmlns:a14="http://schemas.microsoft.com/office/drawing/2010/main">
-                <a:effectLst>
-                  <a:outerShdw dist="35921" dir="2700000" algn="ctr" rotWithShape="0">
-                    <a:schemeClr val="bg2"/>
-                  </a:outerShdw>
-                </a:effectLst>
-              </a14:hiddenEffects>
-            </a:ext>
-          </a:extLst>
-        </p:spPr>
-        <p:txBody>
-          <a:bodyPr vert="horz" wrap="none" lIns="91440" tIns="45720" rIns="91440" bIns="45720" numCol="1" anchor="ctr" anchorCtr="0" compatLnSpc="1">
-            <a:prstTxWarp prst="textNoShape">
-              <a:avLst/>
-            </a:prstTxWarp>
-            <a:spAutoFit/>
-          </a:bodyPr>
-          <a:lstStyle/>
-          <a:p>
-            <a:pPr marL="0" marR="0" lvl="0" indent="0" algn="l" defTabSz="914400" rtl="0" eaLnBrk="0" fontAlgn="base" latinLnBrk="0" hangingPunct="0">
-              <a:lnSpc>
-                <a:spcPct val="100000"/>
-              </a:lnSpc>
-              <a:spcBef>
-                <a:spcPct val="0"/>
-              </a:spcBef>
-              <a:spcAft>
-                <a:spcPct val="0"/>
-              </a:spcAft>
-              <a:buClrTx/>
-              <a:buSzTx/>
-              <a:buFontTx/>
-              <a:buNone/>
-              <a:tabLst/>
-            </a:pPr>
-            <a:r>
-              <a:rPr kumimoji="0" lang="zh-CN" altLang="zh-CN" sz="1200" b="0" i="0" u="none" strike="noStrike" cap="none" normalizeH="0" baseline="0">
-                <a:ln>
-                  <a:noFill/>
-                </a:ln>
-                <a:solidFill>
-                  <a:srgbClr val="333333"/>
-                </a:solidFill>
-                <a:effectLst/>
-                <a:latin typeface="Open Sans" panose="020B0606030504020204" pitchFamily="34" charset="0"/>
-                <a:cs typeface="Open Sans" panose="020B0606030504020204" pitchFamily="34" charset="0"/>
-              </a:rPr>
-              <a:t>这样设置以后，不管是窗口滚动或者容器内滚动，只要目标元素可见性变化，都会触发观察器。</a:t>
-            </a:r>
-            <a:r>
-              <a:rPr kumimoji="0" lang="zh-CN" altLang="zh-CN" sz="400" b="0" i="0" u="none" strike="noStrike" cap="none" normalizeH="0" baseline="0">
-                <a:ln>
-                  <a:noFill/>
-                </a:ln>
-                <a:solidFill>
-                  <a:schemeClr val="tx1"/>
-                </a:solidFill>
-                <a:effectLst/>
-              </a:rPr>
-              <a:t> </a:t>
-            </a:r>
-            <a:endParaRPr kumimoji="0" lang="zh-CN" altLang="zh-CN" sz="1800" b="0" i="0" u="none" strike="noStrike" cap="none" normalizeH="0" baseline="0">
-              <a:ln>
-                <a:noFill/>
-              </a:ln>
-              <a:solidFill>
-                <a:schemeClr val="tx1"/>
-              </a:solidFill>
-              <a:effectLst/>
-              <a:latin typeface="Arial" panose="020B0604020202020204" pitchFamily="34" charset="0"/>
-            </a:endParaRPr>
-          </a:p>
-        </p:txBody>
-      </p:sp>
     </p:spTree>
     <p:extLst>
       <p:ext uri="{BB962C8B-B14F-4D97-AF65-F5344CB8AC3E}">
@@ -4760,7 +4640,7 @@
         </p:blipFill>
         <p:spPr>
           <a:xfrm>
-            <a:off x="7281588" y="2123965"/>
+            <a:off x="7310617" y="2399736"/>
             <a:ext cx="3175163" cy="3175163"/>
           </a:xfrm>
           <a:prstGeom prst="rect">
@@ -4793,6 +4673,9 @@
         <p:txBody>
           <a:bodyPr/>
           <a:lstStyle/>
+          <a:p>
+            <a:endParaRPr lang="en-US" altLang="zh-CN" dirty="0"/>
+          </a:p>
           <a:p>
             <a:r>
               <a:rPr lang="zh-CN" altLang="en-US" dirty="0"/>
@@ -4980,21 +4863,25 @@
           </a:p>
           <a:p>
             <a:r>
-              <a:rPr lang="en-US" altLang="zh-CN" dirty="0"/>
-              <a:t>Chrome</a:t>
-            </a:r>
-            <a:r>
-              <a:rPr lang="zh-CN" altLang="en-US" dirty="0"/>
-              <a:t>支持</a:t>
+              <a:rPr lang="en-US" altLang="zh-CN" dirty="0">
+                <a:hlinkClick r:id="rId2"/>
+              </a:rPr>
+              <a:t>IE</a:t>
+            </a:r>
+            <a:r>
+              <a:rPr lang="zh-CN" altLang="en-US" dirty="0">
+                <a:hlinkClick r:id="rId2"/>
+              </a:rPr>
+              <a:t>不支持</a:t>
             </a:r>
             <a:endParaRPr lang="en-US" altLang="zh-CN" dirty="0"/>
           </a:p>
           <a:p>
             <a:r>
               <a:rPr lang="zh-CN" altLang="en-US" dirty="0">
-                <a:hlinkClick r:id="rId2" action="ppaction://hlinkfile"/>
+                <a:hlinkClick r:id="rId3" action="ppaction://hlinkfile"/>
               </a:rPr>
-              <a:t>小演示</a:t>
+              <a:t>演示</a:t>
             </a:r>
             <a:endParaRPr lang="en-US" altLang="zh-CN" dirty="0"/>
           </a:p>
@@ -5018,7 +4905,7 @@
           <p:nvPr/>
         </p:nvPicPr>
         <p:blipFill>
-          <a:blip r:embed="rId3"/>
+          <a:blip r:embed="rId4"/>
           <a:stretch>
             <a:fillRect/>
           </a:stretch>
@@ -5116,6 +5003,9 @@
           <a:bodyPr/>
           <a:lstStyle/>
           <a:p>
+            <a:endParaRPr lang="en-US" altLang="zh-CN" dirty="0"/>
+          </a:p>
+          <a:p>
             <a:r>
               <a:rPr lang="en-US" altLang="zh-CN" dirty="0"/>
               <a:t>IntersectionObserver</a:t>
@@ -5135,6 +5025,9 @@
             <a:endParaRPr lang="en-US" altLang="zh-CN" dirty="0"/>
           </a:p>
           <a:p>
+            <a:endParaRPr lang="en-US" altLang="zh-CN" dirty="0"/>
+          </a:p>
+          <a:p>
             <a:r>
               <a:rPr lang="zh-CN" altLang="en-US" dirty="0"/>
               <a:t>祖先元素与视窗</a:t>
@@ -5157,12 +5050,15 @@
             </a:r>
             <a:r>
               <a:rPr lang="en-US" altLang="zh-CN" dirty="0"/>
-              <a:t>IntersectionObserver</a:t>
+              <a:t>IntersectionObserv-er</a:t>
             </a:r>
             <a:r>
               <a:rPr lang="zh-CN" altLang="en-US" dirty="0"/>
               <a:t>对象被创建时，其被配置为监听根中一段给定比例的可见区域。</a:t>
             </a:r>
+            <a:endParaRPr lang="en-US" altLang="zh-CN" dirty="0"/>
+          </a:p>
+          <a:p>
             <a:endParaRPr lang="en-US" altLang="zh-CN" dirty="0"/>
           </a:p>
           <a:p>
@@ -5270,28 +5166,39 @@
           </a:p>
           <a:p>
             <a:r>
-              <a:rPr lang="zh-CN" altLang="en-US" dirty="0"/>
+              <a:rPr lang="zh-CN" altLang="en-US" dirty="0">
+                <a:hlinkClick r:id="rId2" action="ppaction://hlinkfile"/>
+              </a:rPr>
               <a:t>惰性加载</a:t>
             </a:r>
             <a:r>
-              <a:rPr lang="en-US" altLang="zh-CN" dirty="0"/>
+              <a:rPr lang="en-US" altLang="zh-CN" dirty="0">
+                <a:hlinkClick r:id="rId2" action="ppaction://hlinkfile"/>
+              </a:rPr>
               <a:t>(lazy load)</a:t>
             </a:r>
-          </a:p>
-          <a:p>
-            <a:r>
-              <a:rPr lang="zh-CN" altLang="en-US" dirty="0"/>
+            <a:endParaRPr lang="en-US" altLang="zh-CN" dirty="0"/>
+          </a:p>
+          <a:p>
+            <a:r>
+              <a:rPr lang="zh-CN" altLang="en-US" dirty="0">
+                <a:hlinkClick r:id="rId3" action="ppaction://hlinkfile"/>
+              </a:rPr>
               <a:t>无限滚动</a:t>
             </a:r>
             <a:endParaRPr lang="en-US" altLang="zh-CN" dirty="0"/>
           </a:p>
           <a:p>
             <a:r>
-              <a:rPr lang="en-US" altLang="zh-CN" dirty="0"/>
+              <a:rPr lang="en-US" altLang="zh-CN" dirty="0">
+                <a:hlinkClick r:id="rId4"/>
+              </a:rPr>
               <a:t>Nav</a:t>
             </a:r>
             <a:r>
-              <a:rPr lang="zh-CN" altLang="en-US" dirty="0"/>
+              <a:rPr lang="zh-CN" altLang="en-US" dirty="0">
+                <a:hlinkClick r:id="rId4"/>
+              </a:rPr>
               <a:t>滚动跟随</a:t>
             </a:r>
             <a:endParaRPr lang="en-US" altLang="zh-CN" dirty="0"/>
@@ -5374,7 +5281,9 @@
         </p:nvSpPr>
         <p:spPr/>
         <p:txBody>
-          <a:bodyPr/>
+          <a:bodyPr>
+            <a:normAutofit/>
+          </a:bodyPr>
           <a:lstStyle/>
           <a:p>
             <a:r>
@@ -5413,6 +5322,7 @@
             </a:r>
           </a:p>
           <a:p>
+            <a:pPr lvl="1"/>
             <a:r>
               <a:rPr lang="zh-CN" altLang="en-US" dirty="0"/>
               <a:t> </a:t>
@@ -5435,6 +5345,7 @@
             </a:r>
           </a:p>
           <a:p>
+            <a:pPr lvl="1"/>
             <a:r>
               <a:rPr lang="zh-CN" altLang="en-US" dirty="0"/>
               <a:t> </a:t>
@@ -5493,16 +5404,80 @@
               <a:t>如果要观察多个对象，就要多次调用</a:t>
             </a:r>
             <a:r>
-              <a:rPr lang="en-US" altLang="zh-CN" dirty="0"/>
+              <a:rPr lang="en-US" altLang="zh-CN" b="1" dirty="0"/>
               <a:t>oberve</a:t>
             </a:r>
             <a:r>
               <a:rPr lang="zh-CN" altLang="en-US" dirty="0"/>
               <a:t>方法。</a:t>
             </a:r>
-          </a:p>
-        </p:txBody>
-      </p:sp>
+            <a:endParaRPr lang="en-US" altLang="zh-CN" dirty="0"/>
+          </a:p>
+          <a:p>
+            <a:endParaRPr lang="zh-CN" altLang="en-US" dirty="0"/>
+          </a:p>
+        </p:txBody>
+      </p:sp>
+      <p:pic>
+        <p:nvPicPr>
+          <p:cNvPr id="5" name="图片 4">
+            <a:extLst>
+              <a:ext uri="{FF2B5EF4-FFF2-40B4-BE49-F238E27FC236}">
+                <a16:creationId xmlns:a16="http://schemas.microsoft.com/office/drawing/2014/main" id="{C93C8377-EF08-4589-B14A-655C9737C9E4}"/>
+              </a:ext>
+            </a:extLst>
+          </p:cNvPr>
+          <p:cNvPicPr>
+            <a:picLocks noChangeAspect="1"/>
+          </p:cNvPicPr>
+          <p:nvPr/>
+        </p:nvPicPr>
+        <p:blipFill>
+          <a:blip r:embed="rId2"/>
+          <a:stretch>
+            <a:fillRect/>
+          </a:stretch>
+        </p:blipFill>
+        <p:spPr>
+          <a:xfrm>
+            <a:off x="5559552" y="4967225"/>
+            <a:ext cx="2778727" cy="1437643"/>
+          </a:xfrm>
+          <a:prstGeom prst="rect">
+            <a:avLst/>
+          </a:prstGeom>
+        </p:spPr>
+      </p:pic>
+      <p:pic>
+        <p:nvPicPr>
+          <p:cNvPr id="7" name="图片 6">
+            <a:extLst>
+              <a:ext uri="{FF2B5EF4-FFF2-40B4-BE49-F238E27FC236}">
+                <a16:creationId xmlns:a16="http://schemas.microsoft.com/office/drawing/2014/main" id="{811A13F7-F254-405D-9931-AD285B453607}"/>
+              </a:ext>
+            </a:extLst>
+          </p:cNvPr>
+          <p:cNvPicPr>
+            <a:picLocks noChangeAspect="1"/>
+          </p:cNvPicPr>
+          <p:nvPr/>
+        </p:nvPicPr>
+        <p:blipFill>
+          <a:blip r:embed="rId3"/>
+          <a:stretch>
+            <a:fillRect/>
+          </a:stretch>
+        </p:blipFill>
+        <p:spPr>
+          <a:xfrm>
+            <a:off x="1778251" y="4967225"/>
+            <a:ext cx="3178657" cy="1405378"/>
+          </a:xfrm>
+          <a:prstGeom prst="rect">
+            <a:avLst/>
+          </a:prstGeom>
+        </p:spPr>
+      </p:pic>
     </p:spTree>
     <p:extLst>
       <p:ext uri="{BB962C8B-B14F-4D97-AF65-F5344CB8AC3E}">
@@ -5556,7 +5531,7 @@
           <a:p>
             <a:r>
               <a:rPr lang="en-US" altLang="zh-CN" dirty="0"/>
-              <a:t>Callback	</a:t>
+              <a:t>callback	</a:t>
             </a:r>
             <a:endParaRPr lang="zh-CN" altLang="en-US" dirty="0"/>
           </a:p>
@@ -5600,7 +5575,7 @@
           <a:p>
             <a:r>
               <a:rPr lang="en-US" altLang="zh-CN" b="1" dirty="0"/>
-              <a:t>Callback</a:t>
+              <a:t>callback</a:t>
             </a:r>
             <a:r>
               <a:rPr lang="zh-CN" altLang="en-US" dirty="0"/>
@@ -5703,7 +5678,7 @@
         </p:blipFill>
         <p:spPr>
           <a:xfrm>
-            <a:off x="6146235" y="4004468"/>
+            <a:off x="5993163" y="3824166"/>
             <a:ext cx="3492679" cy="2355971"/>
           </a:xfrm>
           <a:prstGeom prst="rect">
@@ -5725,8 +5700,8 @@
         </p:nvSpPr>
         <p:spPr>
           <a:xfrm>
-            <a:off x="1599445" y="5623359"/>
-            <a:ext cx="4229603" cy="923330"/>
+            <a:off x="1599445" y="5794395"/>
+            <a:ext cx="4229603" cy="523220"/>
           </a:xfrm>
           <a:prstGeom prst="rect">
             <a:avLst/>
@@ -5740,26 +5715,26 @@
           <a:lstStyle/>
           <a:p>
             <a:r>
-              <a:rPr lang="en-US" altLang="zh-CN" dirty="0"/>
+              <a:rPr lang="en-US" altLang="zh-CN" sz="1400" dirty="0"/>
               <a:t>Callback</a:t>
             </a:r>
             <a:r>
-              <a:rPr lang="zh-CN" altLang="en-US" dirty="0"/>
+              <a:rPr lang="zh-CN" altLang="en-US" sz="1400" dirty="0"/>
               <a:t>函数的参数是一个数组</a:t>
             </a:r>
-            <a:endParaRPr lang="en-US" altLang="zh-CN" dirty="0"/>
-          </a:p>
-          <a:p>
-            <a:r>
-              <a:rPr lang="zh-CN" altLang="en-US" dirty="0"/>
+            <a:endParaRPr lang="en-US" altLang="zh-CN" sz="1400" dirty="0"/>
+          </a:p>
+          <a:p>
+            <a:r>
+              <a:rPr lang="zh-CN" altLang="en-US" sz="1400" dirty="0"/>
               <a:t>每个成员都是一个</a:t>
             </a:r>
             <a:r>
-              <a:rPr lang="en-US" altLang="zh-CN" dirty="0"/>
+              <a:rPr lang="en-US" altLang="zh-CN" sz="1400" dirty="0"/>
               <a:t>IntersectionObserverEntry</a:t>
             </a:r>
             <a:r>
-              <a:rPr lang="zh-CN" altLang="en-US" dirty="0"/>
+              <a:rPr lang="zh-CN" altLang="en-US" sz="1400" dirty="0"/>
               <a:t>对象</a:t>
             </a:r>
           </a:p>
@@ -5850,15 +5825,26 @@
           </a:bodyPr>
           <a:lstStyle/>
           <a:p>
-            <a:r>
-              <a:rPr lang="zh-CN" altLang="en-US" dirty="0"/>
-              <a:t>每个属性的含义如下</a:t>
-            </a:r>
-          </a:p>
-          <a:p>
-            <a:r>
-              <a:rPr lang="en-US" altLang="zh-CN" dirty="0"/>
-              <a:t> boundingClientRect: </a:t>
+            <a:pPr marL="0" indent="0">
+              <a:buNone/>
+            </a:pPr>
+            <a:r>
+              <a:rPr lang="zh-CN" altLang="en-US" dirty="0"/>
+              <a:t>每个属性的含义如下：</a:t>
+            </a:r>
+          </a:p>
+          <a:p>
+            <a:r>
+              <a:rPr lang="en-US" altLang="zh-CN" dirty="0"/>
+              <a:t> </a:t>
+            </a:r>
+            <a:r>
+              <a:rPr lang="en-US" altLang="zh-CN" b="1" dirty="0"/>
+              <a:t>boundingClientRect</a:t>
+            </a:r>
+            <a:r>
+              <a:rPr lang="en-US" altLang="zh-CN" dirty="0"/>
+              <a:t>: </a:t>
             </a:r>
             <a:r>
               <a:rPr lang="zh-CN" altLang="en-US" dirty="0"/>
@@ -5868,7 +5854,15 @@
           <a:p>
             <a:r>
               <a:rPr lang="en-US" altLang="zh-CN" dirty="0"/>
-              <a:t> intersectionRatio: </a:t>
+              <a:t> </a:t>
+            </a:r>
+            <a:r>
+              <a:rPr lang="en-US" altLang="zh-CN" b="1" dirty="0"/>
+              <a:t>intersectionRatio</a:t>
+            </a:r>
+            <a:r>
+              <a:rPr lang="en-US" altLang="zh-CN" dirty="0"/>
+              <a:t>: </a:t>
             </a:r>
             <a:r>
               <a:rPr lang="zh-CN" altLang="en-US" dirty="0"/>
@@ -5906,7 +5900,15 @@
           <a:p>
             <a:r>
               <a:rPr lang="en-US" altLang="zh-CN" dirty="0"/>
-              <a:t> intersectionRect: </a:t>
+              <a:t> </a:t>
+            </a:r>
+            <a:r>
+              <a:rPr lang="en-US" altLang="zh-CN" b="1" dirty="0"/>
+              <a:t>intersectionRect</a:t>
+            </a:r>
+            <a:r>
+              <a:rPr lang="en-US" altLang="zh-CN" dirty="0"/>
+              <a:t>: </a:t>
             </a:r>
             <a:r>
               <a:rPr lang="zh-CN" altLang="en-US" dirty="0"/>
@@ -5916,7 +5918,15 @@
           <a:p>
             <a:r>
               <a:rPr lang="en-US" altLang="zh-CN" dirty="0"/>
-              <a:t> isIntersecting: </a:t>
+              <a:t> </a:t>
+            </a:r>
+            <a:r>
+              <a:rPr lang="en-US" altLang="zh-CN" b="1" dirty="0"/>
+              <a:t>isIntersecting</a:t>
+            </a:r>
+            <a:r>
+              <a:rPr lang="en-US" altLang="zh-CN" dirty="0"/>
+              <a:t>: </a:t>
             </a:r>
             <a:r>
               <a:rPr lang="zh-CN" altLang="en-US" dirty="0"/>
@@ -5926,19 +5936,23 @@
           <a:p>
             <a:r>
               <a:rPr lang="en-US" altLang="zh-CN" dirty="0"/>
-              <a:t> rootBounds: </a:t>
+              <a:t> </a:t>
+            </a:r>
+            <a:r>
+              <a:rPr lang="en-US" altLang="zh-CN" b="1" dirty="0"/>
+              <a:t>rootBounds</a:t>
+            </a:r>
+            <a:r>
+              <a:rPr lang="en-US" altLang="zh-CN" dirty="0"/>
+              <a:t>: </a:t>
             </a:r>
             <a:r>
               <a:rPr lang="zh-CN" altLang="en-US" dirty="0"/>
               <a:t>根元素的矩形区域的信息，</a:t>
             </a:r>
             <a:r>
-              <a:rPr lang="en-US" altLang="zh-CN" dirty="0" err="1"/>
-              <a:t>getBoundingClientRect</a:t>
-            </a:r>
-            <a:r>
-              <a:rPr lang="en-US" altLang="zh-CN" dirty="0"/>
-              <a:t>() </a:t>
+              <a:rPr lang="en-US" altLang="zh-CN" dirty="0"/>
+              <a:t>getBoundingClientRect() </a:t>
             </a:r>
             <a:r>
               <a:rPr lang="zh-CN" altLang="en-US" dirty="0"/>
@@ -5948,7 +5962,15 @@
           <a:p>
             <a:r>
               <a:rPr lang="en-US" altLang="zh-CN" dirty="0"/>
-              <a:t> target: </a:t>
+              <a:t> </a:t>
+            </a:r>
+            <a:r>
+              <a:rPr lang="en-US" altLang="zh-CN" b="1" dirty="0"/>
+              <a:t>target</a:t>
+            </a:r>
+            <a:r>
+              <a:rPr lang="en-US" altLang="zh-CN" dirty="0"/>
+              <a:t>: </a:t>
             </a:r>
             <a:r>
               <a:rPr lang="zh-CN" altLang="en-US" dirty="0"/>
@@ -5966,7 +5988,15 @@
           <a:p>
             <a:r>
               <a:rPr lang="en-US" altLang="zh-CN" dirty="0"/>
-              <a:t> time: </a:t>
+              <a:t> </a:t>
+            </a:r>
+            <a:r>
+              <a:rPr lang="en-US" altLang="zh-CN" b="1" dirty="0"/>
+              <a:t>time</a:t>
+            </a:r>
+            <a:r>
+              <a:rPr lang="en-US" altLang="zh-CN" dirty="0"/>
+              <a:t>: </a:t>
             </a:r>
             <a:r>
               <a:rPr lang="zh-CN" altLang="en-US" dirty="0"/>
@@ -6027,7 +6057,7 @@
         </p:blipFill>
         <p:spPr>
           <a:xfrm>
-            <a:off x="6582363" y="1228935"/>
+            <a:off x="6489714" y="1745879"/>
             <a:ext cx="3681311" cy="3641151"/>
           </a:xfrm>
           <a:prstGeom prst="rect">
@@ -6049,7 +6079,7 @@
         </p:nvSpPr>
         <p:spPr>
           <a:xfrm>
-            <a:off x="632427" y="2827791"/>
+            <a:off x="708963" y="2827790"/>
             <a:ext cx="5180257" cy="1477328"/>
           </a:xfrm>
           <a:prstGeom prst="rect">
@@ -6065,7 +6095,7 @@
           <a:p>
             <a:r>
               <a:rPr lang="zh-CN" altLang="en-US" dirty="0"/>
-              <a:t>上图中，灰色的水平方框代表视口，深红色的区域代表四个被观察的目标元素。它们各自的 </a:t>
+              <a:t>右图中，灰色的水平方框代表视口，深红色的区域代表四个被观察的目标元素。它们各自的 </a:t>
             </a:r>
             <a:r>
               <a:rPr lang="en-US" altLang="zh-CN" dirty="0"/>

--- a/IntersectionObserver.pptx
+++ b/IntersectionObserver.pptx
@@ -3525,7 +3525,10 @@
           <a:bodyPr/>
           <a:lstStyle/>
           <a:p>
-            <a:endParaRPr lang="zh-CN" altLang="en-US" dirty="0"/>
+            <a:r>
+              <a:rPr lang="zh-CN" altLang="en-US" dirty="0"/>
+              <a:t>交叉观察器</a:t>
+            </a:r>
           </a:p>
         </p:txBody>
       </p:sp>
